--- a/reparacion de compu/CABLEADO ESTRUCTURADO.pptx
+++ b/reparacion de compu/CABLEADO ESTRUCTURADO.pptx
@@ -111,6 +111,11 @@
       </a:defRPr>
     </a:lvl9pPr>
   </p:defaultTextStyle>
+  <p:extLst>
+    <p:ext uri="{EFAFB233-063F-42B5-8137-9DF3F51BA10A}">
+      <p15:sldGuideLst xmlns:p15="http://schemas.microsoft.com/office/powerpoint/2012/main"/>
+    </p:ext>
+  </p:extLst>
 </p:presentation>
 </file>
 
@@ -247,7 +252,7 @@
           <a:p>
             <a:fld id="{05C8C092-D0EA-4833-B422-805F0483E3A3}" type="datetimeFigureOut">
               <a:rPr lang="es-EC" smtClean="0"/>
-              <a:t>22/7/2023</a:t>
+              <a:t>29/7/2023</a:t>
             </a:fld>
             <a:endParaRPr lang="es-EC"/>
           </a:p>
@@ -534,7 +539,7 @@
           <a:p>
             <a:fld id="{05C8C092-D0EA-4833-B422-805F0483E3A3}" type="datetimeFigureOut">
               <a:rPr lang="es-EC" smtClean="0"/>
-              <a:t>22/7/2023</a:t>
+              <a:t>29/7/2023</a:t>
             </a:fld>
             <a:endParaRPr lang="es-EC"/>
           </a:p>
@@ -726,7 +731,7 @@
           <a:p>
             <a:fld id="{05C8C092-D0EA-4833-B422-805F0483E3A3}" type="datetimeFigureOut">
               <a:rPr lang="es-EC" smtClean="0"/>
-              <a:t>22/7/2023</a:t>
+              <a:t>29/7/2023</a:t>
             </a:fld>
             <a:endParaRPr lang="es-EC"/>
           </a:p>
@@ -987,7 +992,7 @@
           <a:p>
             <a:fld id="{05C8C092-D0EA-4833-B422-805F0483E3A3}" type="datetimeFigureOut">
               <a:rPr lang="es-EC" smtClean="0"/>
-              <a:t>22/7/2023</a:t>
+              <a:t>29/7/2023</a:t>
             </a:fld>
             <a:endParaRPr lang="es-EC"/>
           </a:p>
@@ -1411,7 +1416,7 @@
           <a:p>
             <a:fld id="{05C8C092-D0EA-4833-B422-805F0483E3A3}" type="datetimeFigureOut">
               <a:rPr lang="es-EC" smtClean="0"/>
-              <a:t>22/7/2023</a:t>
+              <a:t>29/7/2023</a:t>
             </a:fld>
             <a:endParaRPr lang="es-EC"/>
           </a:p>
@@ -1957,7 +1962,7 @@
           <a:p>
             <a:fld id="{05C8C092-D0EA-4833-B422-805F0483E3A3}" type="datetimeFigureOut">
               <a:rPr lang="es-EC" smtClean="0"/>
-              <a:t>22/7/2023</a:t>
+              <a:t>29/7/2023</a:t>
             </a:fld>
             <a:endParaRPr lang="es-EC"/>
           </a:p>
@@ -2797,7 +2802,7 @@
           <a:p>
             <a:fld id="{05C8C092-D0EA-4833-B422-805F0483E3A3}" type="datetimeFigureOut">
               <a:rPr lang="es-EC" smtClean="0"/>
-              <a:t>22/7/2023</a:t>
+              <a:t>29/7/2023</a:t>
             </a:fld>
             <a:endParaRPr lang="es-EC"/>
           </a:p>
@@ -2967,7 +2972,7 @@
           <a:p>
             <a:fld id="{05C8C092-D0EA-4833-B422-805F0483E3A3}" type="datetimeFigureOut">
               <a:rPr lang="es-EC" smtClean="0"/>
-              <a:t>22/7/2023</a:t>
+              <a:t>29/7/2023</a:t>
             </a:fld>
             <a:endParaRPr lang="es-EC"/>
           </a:p>
@@ -3151,7 +3156,7 @@
           <a:p>
             <a:fld id="{05C8C092-D0EA-4833-B422-805F0483E3A3}" type="datetimeFigureOut">
               <a:rPr lang="es-EC" smtClean="0"/>
-              <a:t>22/7/2023</a:t>
+              <a:t>29/7/2023</a:t>
             </a:fld>
             <a:endParaRPr lang="es-EC"/>
           </a:p>
@@ -3321,7 +3326,7 @@
           <a:p>
             <a:fld id="{05C8C092-D0EA-4833-B422-805F0483E3A3}" type="datetimeFigureOut">
               <a:rPr lang="es-EC" smtClean="0"/>
-              <a:t>22/7/2023</a:t>
+              <a:t>29/7/2023</a:t>
             </a:fld>
             <a:endParaRPr lang="es-EC"/>
           </a:p>
@@ -3569,7 +3574,7 @@
           <a:p>
             <a:fld id="{05C8C092-D0EA-4833-B422-805F0483E3A3}" type="datetimeFigureOut">
               <a:rPr lang="es-EC" smtClean="0"/>
-              <a:t>22/7/2023</a:t>
+              <a:t>29/7/2023</a:t>
             </a:fld>
             <a:endParaRPr lang="es-EC"/>
           </a:p>
@@ -3806,7 +3811,7 @@
           <a:p>
             <a:fld id="{05C8C092-D0EA-4833-B422-805F0483E3A3}" type="datetimeFigureOut">
               <a:rPr lang="es-EC" smtClean="0"/>
-              <a:t>22/7/2023</a:t>
+              <a:t>29/7/2023</a:t>
             </a:fld>
             <a:endParaRPr lang="es-EC"/>
           </a:p>
@@ -4179,7 +4184,7 @@
           <a:p>
             <a:fld id="{05C8C092-D0EA-4833-B422-805F0483E3A3}" type="datetimeFigureOut">
               <a:rPr lang="es-EC" smtClean="0"/>
-              <a:t>22/7/2023</a:t>
+              <a:t>29/7/2023</a:t>
             </a:fld>
             <a:endParaRPr lang="es-EC"/>
           </a:p>
@@ -4297,7 +4302,7 @@
           <a:p>
             <a:fld id="{05C8C092-D0EA-4833-B422-805F0483E3A3}" type="datetimeFigureOut">
               <a:rPr lang="es-EC" smtClean="0"/>
-              <a:t>22/7/2023</a:t>
+              <a:t>29/7/2023</a:t>
             </a:fld>
             <a:endParaRPr lang="es-EC"/>
           </a:p>
@@ -4392,7 +4397,7 @@
           <a:p>
             <a:fld id="{05C8C092-D0EA-4833-B422-805F0483E3A3}" type="datetimeFigureOut">
               <a:rPr lang="es-EC" smtClean="0"/>
-              <a:t>22/7/2023</a:t>
+              <a:t>29/7/2023</a:t>
             </a:fld>
             <a:endParaRPr lang="es-EC"/>
           </a:p>
@@ -4643,7 +4648,7 @@
           <a:p>
             <a:fld id="{05C8C092-D0EA-4833-B422-805F0483E3A3}" type="datetimeFigureOut">
               <a:rPr lang="es-EC" smtClean="0"/>
-              <a:t>22/7/2023</a:t>
+              <a:t>29/7/2023</a:t>
             </a:fld>
             <a:endParaRPr lang="es-EC"/>
           </a:p>
@@ -4930,7 +4935,7 @@
           <a:p>
             <a:fld id="{05C8C092-D0EA-4833-B422-805F0483E3A3}" type="datetimeFigureOut">
               <a:rPr lang="es-EC" smtClean="0"/>
-              <a:t>22/7/2023</a:t>
+              <a:t>29/7/2023</a:t>
             </a:fld>
             <a:endParaRPr lang="es-EC"/>
           </a:p>
@@ -5143,7 +5148,7 @@
           <a:p>
             <a:fld id="{05C8C092-D0EA-4833-B422-805F0483E3A3}" type="datetimeFigureOut">
               <a:rPr lang="es-EC" smtClean="0"/>
-              <a:t>22/7/2023</a:t>
+              <a:t>29/7/2023</a:t>
             </a:fld>
             <a:endParaRPr lang="es-EC"/>
           </a:p>
@@ -6455,37 +6460,17 @@
                 <a:effectLst/>
                 <a:latin typeface="Söhne"/>
               </a:rPr>
-              <a:t>): Es el tipo de cable más utilizado en redes Ethernet. Viene en diferentes categorías, como Cat5e, Cat6, Cat6a, y Cat7, y cada categoría ofrece velocidades y características de rendimiento diferentes. Estos cables tienen pares de hilos trenzados que ayudan a reducir las interferencias </a:t>
-            </a:r>
-            <a:r>
-              <a:rPr lang="es-MX" b="0" i="0" dirty="0" err="1">
+              <a:t>): Es el tipo de cable más utilizado en redes Ethernet. Viene en diferentes categorías, como Cat5e, Cat6, Cat6a, y Cat7, y cada categoría ofrece velocidades y características de rendimiento diferentes. Estos cables tienen pares de hilos trenzados que ayudan a reducir las interferencias electromagnéticas. La</a:t>
+            </a:r>
+            <a:r>
+              <a:rPr lang="es-MX" dirty="0">
                 <a:solidFill>
                   <a:srgbClr val="D1D5DB"/>
                 </a:solidFill>
                 <a:effectLst/>
                 <a:latin typeface="Söhne"/>
               </a:rPr>
-              <a:t>electromagnéticas.La</a:t>
-            </a:r>
-            <a:r>
-              <a:rPr lang="es-MX" dirty="0" err="1">
-                <a:solidFill>
-                  <a:srgbClr val="D1D5DB"/>
-                </a:solidFill>
-                <a:effectLst/>
-                <a:latin typeface="Söhne"/>
-              </a:rPr>
-              <a:t>s</a:t>
-            </a:r>
-            <a:r>
-              <a:rPr lang="es-MX" dirty="0">
-                <a:solidFill>
-                  <a:srgbClr val="D1D5DB"/>
-                </a:solidFill>
-                <a:effectLst/>
-                <a:latin typeface="Söhne"/>
-              </a:rPr>
-              <a:t> categorías cat6a y cat7 son indicadas para distancias largas</a:t>
+              <a:t>s categorías cat6a y cat7 son indicadas para distancias largas</a:t>
             </a:r>
           </a:p>
           <a:p>

--- a/reparacion de compu/CABLEADO ESTRUCTURADO.pptx
+++ b/reparacion de compu/CABLEADO ESTRUCTURADO.pptx
@@ -252,7 +252,7 @@
           <a:p>
             <a:fld id="{05C8C092-D0EA-4833-B422-805F0483E3A3}" type="datetimeFigureOut">
               <a:rPr lang="es-EC" smtClean="0"/>
-              <a:t>29/7/2023</a:t>
+              <a:t>2/12/2023</a:t>
             </a:fld>
             <a:endParaRPr lang="es-EC"/>
           </a:p>
@@ -539,7 +539,7 @@
           <a:p>
             <a:fld id="{05C8C092-D0EA-4833-B422-805F0483E3A3}" type="datetimeFigureOut">
               <a:rPr lang="es-EC" smtClean="0"/>
-              <a:t>29/7/2023</a:t>
+              <a:t>2/12/2023</a:t>
             </a:fld>
             <a:endParaRPr lang="es-EC"/>
           </a:p>
@@ -731,7 +731,7 @@
           <a:p>
             <a:fld id="{05C8C092-D0EA-4833-B422-805F0483E3A3}" type="datetimeFigureOut">
               <a:rPr lang="es-EC" smtClean="0"/>
-              <a:t>29/7/2023</a:t>
+              <a:t>2/12/2023</a:t>
             </a:fld>
             <a:endParaRPr lang="es-EC"/>
           </a:p>
@@ -992,7 +992,7 @@
           <a:p>
             <a:fld id="{05C8C092-D0EA-4833-B422-805F0483E3A3}" type="datetimeFigureOut">
               <a:rPr lang="es-EC" smtClean="0"/>
-              <a:t>29/7/2023</a:t>
+              <a:t>2/12/2023</a:t>
             </a:fld>
             <a:endParaRPr lang="es-EC"/>
           </a:p>
@@ -1416,7 +1416,7 @@
           <a:p>
             <a:fld id="{05C8C092-D0EA-4833-B422-805F0483E3A3}" type="datetimeFigureOut">
               <a:rPr lang="es-EC" smtClean="0"/>
-              <a:t>29/7/2023</a:t>
+              <a:t>2/12/2023</a:t>
             </a:fld>
             <a:endParaRPr lang="es-EC"/>
           </a:p>
@@ -1962,7 +1962,7 @@
           <a:p>
             <a:fld id="{05C8C092-D0EA-4833-B422-805F0483E3A3}" type="datetimeFigureOut">
               <a:rPr lang="es-EC" smtClean="0"/>
-              <a:t>29/7/2023</a:t>
+              <a:t>2/12/2023</a:t>
             </a:fld>
             <a:endParaRPr lang="es-EC"/>
           </a:p>
@@ -2802,7 +2802,7 @@
           <a:p>
             <a:fld id="{05C8C092-D0EA-4833-B422-805F0483E3A3}" type="datetimeFigureOut">
               <a:rPr lang="es-EC" smtClean="0"/>
-              <a:t>29/7/2023</a:t>
+              <a:t>2/12/2023</a:t>
             </a:fld>
             <a:endParaRPr lang="es-EC"/>
           </a:p>
@@ -2972,7 +2972,7 @@
           <a:p>
             <a:fld id="{05C8C092-D0EA-4833-B422-805F0483E3A3}" type="datetimeFigureOut">
               <a:rPr lang="es-EC" smtClean="0"/>
-              <a:t>29/7/2023</a:t>
+              <a:t>2/12/2023</a:t>
             </a:fld>
             <a:endParaRPr lang="es-EC"/>
           </a:p>
@@ -3156,7 +3156,7 @@
           <a:p>
             <a:fld id="{05C8C092-D0EA-4833-B422-805F0483E3A3}" type="datetimeFigureOut">
               <a:rPr lang="es-EC" smtClean="0"/>
-              <a:t>29/7/2023</a:t>
+              <a:t>2/12/2023</a:t>
             </a:fld>
             <a:endParaRPr lang="es-EC"/>
           </a:p>
@@ -3326,7 +3326,7 @@
           <a:p>
             <a:fld id="{05C8C092-D0EA-4833-B422-805F0483E3A3}" type="datetimeFigureOut">
               <a:rPr lang="es-EC" smtClean="0"/>
-              <a:t>29/7/2023</a:t>
+              <a:t>2/12/2023</a:t>
             </a:fld>
             <a:endParaRPr lang="es-EC"/>
           </a:p>
@@ -3574,7 +3574,7 @@
           <a:p>
             <a:fld id="{05C8C092-D0EA-4833-B422-805F0483E3A3}" type="datetimeFigureOut">
               <a:rPr lang="es-EC" smtClean="0"/>
-              <a:t>29/7/2023</a:t>
+              <a:t>2/12/2023</a:t>
             </a:fld>
             <a:endParaRPr lang="es-EC"/>
           </a:p>
@@ -3811,7 +3811,7 @@
           <a:p>
             <a:fld id="{05C8C092-D0EA-4833-B422-805F0483E3A3}" type="datetimeFigureOut">
               <a:rPr lang="es-EC" smtClean="0"/>
-              <a:t>29/7/2023</a:t>
+              <a:t>2/12/2023</a:t>
             </a:fld>
             <a:endParaRPr lang="es-EC"/>
           </a:p>
@@ -4184,7 +4184,7 @@
           <a:p>
             <a:fld id="{05C8C092-D0EA-4833-B422-805F0483E3A3}" type="datetimeFigureOut">
               <a:rPr lang="es-EC" smtClean="0"/>
-              <a:t>29/7/2023</a:t>
+              <a:t>2/12/2023</a:t>
             </a:fld>
             <a:endParaRPr lang="es-EC"/>
           </a:p>
@@ -4302,7 +4302,7 @@
           <a:p>
             <a:fld id="{05C8C092-D0EA-4833-B422-805F0483E3A3}" type="datetimeFigureOut">
               <a:rPr lang="es-EC" smtClean="0"/>
-              <a:t>29/7/2023</a:t>
+              <a:t>2/12/2023</a:t>
             </a:fld>
             <a:endParaRPr lang="es-EC"/>
           </a:p>
@@ -4397,7 +4397,7 @@
           <a:p>
             <a:fld id="{05C8C092-D0EA-4833-B422-805F0483E3A3}" type="datetimeFigureOut">
               <a:rPr lang="es-EC" smtClean="0"/>
-              <a:t>29/7/2023</a:t>
+              <a:t>2/12/2023</a:t>
             </a:fld>
             <a:endParaRPr lang="es-EC"/>
           </a:p>
@@ -4648,7 +4648,7 @@
           <a:p>
             <a:fld id="{05C8C092-D0EA-4833-B422-805F0483E3A3}" type="datetimeFigureOut">
               <a:rPr lang="es-EC" smtClean="0"/>
-              <a:t>29/7/2023</a:t>
+              <a:t>2/12/2023</a:t>
             </a:fld>
             <a:endParaRPr lang="es-EC"/>
           </a:p>
@@ -4935,7 +4935,7 @@
           <a:p>
             <a:fld id="{05C8C092-D0EA-4833-B422-805F0483E3A3}" type="datetimeFigureOut">
               <a:rPr lang="es-EC" smtClean="0"/>
-              <a:t>29/7/2023</a:t>
+              <a:t>2/12/2023</a:t>
             </a:fld>
             <a:endParaRPr lang="es-EC"/>
           </a:p>
@@ -5148,7 +5148,7 @@
           <a:p>
             <a:fld id="{05C8C092-D0EA-4833-B422-805F0483E3A3}" type="datetimeFigureOut">
               <a:rPr lang="es-EC" smtClean="0"/>
-              <a:t>29/7/2023</a:t>
+              <a:t>2/12/2023</a:t>
             </a:fld>
             <a:endParaRPr lang="es-EC"/>
           </a:p>
@@ -5877,7 +5877,7 @@
         <p:spPr/>
         <p:txBody>
           <a:bodyPr>
-            <a:normAutofit/>
+            <a:normAutofit fontScale="92500" lnSpcReduction="20000"/>
           </a:bodyPr>
           <a:lstStyle/>
           <a:p>
@@ -6601,7 +6601,9 @@
           </a:xfrm>
         </p:spPr>
         <p:txBody>
-          <a:bodyPr/>
+          <a:bodyPr>
+            <a:normAutofit lnSpcReduction="10000"/>
+          </a:bodyPr>
           <a:lstStyle/>
           <a:p>
             <a:r>
@@ -6759,7 +6761,7 @@
         </p:blipFill>
         <p:spPr bwMode="auto">
           <a:xfrm>
-            <a:off x="2204984" y="3182158"/>
+            <a:off x="2152733" y="3182158"/>
             <a:ext cx="7576014" cy="4662162"/>
           </a:xfrm>
           <a:prstGeom prst="rect">
